--- a/04_DockerCmd.pptx
+++ b/04_DockerCmd.pptx
@@ -5,7 +5,7 @@
     <p:sldMasterId id="2147483648" r:id="rId1"/>
   </p:sldMasterIdLst>
   <p:notesMasterIdLst>
-    <p:notesMasterId r:id="rId12"/>
+    <p:notesMasterId r:id="rId13"/>
   </p:notesMasterIdLst>
   <p:sldIdLst>
     <p:sldId id="256" r:id="rId2"/>
@@ -15,9 +15,10 @@
     <p:sldId id="270" r:id="rId6"/>
     <p:sldId id="267" r:id="rId7"/>
     <p:sldId id="266" r:id="rId8"/>
-    <p:sldId id="272" r:id="rId9"/>
-    <p:sldId id="271" r:id="rId10"/>
-    <p:sldId id="259" r:id="rId11"/>
+    <p:sldId id="273" r:id="rId9"/>
+    <p:sldId id="272" r:id="rId10"/>
+    <p:sldId id="271" r:id="rId11"/>
+    <p:sldId id="259" r:id="rId12"/>
   </p:sldIdLst>
   <p:sldSz cx="9144000" cy="6858000" type="screen4x3"/>
   <p:notesSz cx="6858000" cy="9144000"/>
@@ -218,7 +219,7 @@
             <a:fld id="{6837EDA8-41C8-4B24-A206-13C08A65A6D7}" type="datetimeFigureOut">
               <a:rPr lang="zh-TW" altLang="en-US" smtClean="0"/>
               <a:pPr/>
-              <a:t>2020/4/22</a:t>
+              <a:t>2020/4/27</a:t>
             </a:fld>
             <a:endParaRPr lang="zh-TW" altLang="en-US"/>
           </a:p>
@@ -671,7 +672,7 @@
             <a:fld id="{8B85509C-BD4F-47BF-9B1E-FC2E949B3621}" type="datetime1">
               <a:rPr lang="zh-TW" altLang="en-US" smtClean="0"/>
               <a:pPr/>
-              <a:t>2020/4/22</a:t>
+              <a:t>2020/4/27</a:t>
             </a:fld>
             <a:endParaRPr lang="zh-TW" altLang="en-US"/>
           </a:p>
@@ -844,7 +845,7 @@
             <a:fld id="{42251B24-F787-4C15-8A0F-7AEC20C70069}" type="datetime1">
               <a:rPr lang="zh-TW" altLang="en-US" smtClean="0"/>
               <a:pPr/>
-              <a:t>2020/4/22</a:t>
+              <a:t>2020/4/27</a:t>
             </a:fld>
             <a:endParaRPr lang="zh-TW" altLang="en-US"/>
           </a:p>
@@ -1019,7 +1020,7 @@
             <a:fld id="{9CA0D33C-CE2B-45F1-B8D4-FFD1F131F331}" type="datetime1">
               <a:rPr lang="zh-TW" altLang="en-US" smtClean="0"/>
               <a:pPr/>
-              <a:t>2020/4/22</a:t>
+              <a:t>2020/4/27</a:t>
             </a:fld>
             <a:endParaRPr lang="zh-TW" altLang="en-US"/>
           </a:p>
@@ -1184,7 +1185,7 @@
             <a:fld id="{50B99440-D9EF-40CC-9B52-F6428D9B2C76}" type="datetime1">
               <a:rPr lang="zh-TW" altLang="en-US" smtClean="0"/>
               <a:pPr/>
-              <a:t>2020/4/22</a:t>
+              <a:t>2020/4/27</a:t>
             </a:fld>
             <a:endParaRPr lang="zh-TW" altLang="en-US"/>
           </a:p>
@@ -1426,7 +1427,7 @@
             <a:fld id="{0871BF52-5C6C-4959-8E27-CECB68D39FE4}" type="datetime1">
               <a:rPr lang="zh-TW" altLang="en-US" smtClean="0"/>
               <a:pPr/>
-              <a:t>2020/4/22</a:t>
+              <a:t>2020/4/27</a:t>
             </a:fld>
             <a:endParaRPr lang="zh-TW" altLang="en-US"/>
           </a:p>
@@ -1708,7 +1709,7 @@
             <a:fld id="{DF863F05-2DD9-4EB1-A827-12FD992DE9DC}" type="datetime1">
               <a:rPr lang="zh-TW" altLang="en-US" smtClean="0"/>
               <a:pPr/>
-              <a:t>2020/4/22</a:t>
+              <a:t>2020/4/27</a:t>
             </a:fld>
             <a:endParaRPr lang="zh-TW" altLang="en-US"/>
           </a:p>
@@ -2124,7 +2125,7 @@
             <a:fld id="{6339AF51-4491-4873-A096-75DB6CE47516}" type="datetime1">
               <a:rPr lang="zh-TW" altLang="en-US" smtClean="0"/>
               <a:pPr/>
-              <a:t>2020/4/22</a:t>
+              <a:t>2020/4/27</a:t>
             </a:fld>
             <a:endParaRPr lang="zh-TW" altLang="en-US"/>
           </a:p>
@@ -2238,7 +2239,7 @@
             <a:fld id="{EE4AD9C8-8B9E-40FF-ABE2-858AC2057BBB}" type="datetime1">
               <a:rPr lang="zh-TW" altLang="en-US" smtClean="0"/>
               <a:pPr/>
-              <a:t>2020/4/22</a:t>
+              <a:t>2020/4/27</a:t>
             </a:fld>
             <a:endParaRPr lang="zh-TW" altLang="en-US"/>
           </a:p>
@@ -2330,7 +2331,7 @@
             <a:fld id="{B4784999-BBBE-4BE4-A8D0-877E7D1D66CC}" type="datetime1">
               <a:rPr lang="zh-TW" altLang="en-US" smtClean="0"/>
               <a:pPr/>
-              <a:t>2020/4/22</a:t>
+              <a:t>2020/4/27</a:t>
             </a:fld>
             <a:endParaRPr lang="zh-TW" altLang="en-US"/>
           </a:p>
@@ -2602,7 +2603,7 @@
             <a:fld id="{E88D17E6-02BD-4944-B9FE-7BFCCBF83D48}" type="datetime1">
               <a:rPr lang="zh-TW" altLang="en-US" smtClean="0"/>
               <a:pPr/>
-              <a:t>2020/4/22</a:t>
+              <a:t>2020/4/27</a:t>
             </a:fld>
             <a:endParaRPr lang="zh-TW" altLang="en-US"/>
           </a:p>
@@ -2851,7 +2852,7 @@
             <a:fld id="{3C13E23D-1FEF-4D78-A3A3-3D6F2BB31954}" type="datetime1">
               <a:rPr lang="zh-TW" altLang="en-US" smtClean="0"/>
               <a:pPr/>
-              <a:t>2020/4/22</a:t>
+              <a:t>2020/4/27</a:t>
             </a:fld>
             <a:endParaRPr lang="zh-TW" altLang="en-US"/>
           </a:p>
@@ -3059,7 +3060,7 @@
             <a:fld id="{06197F35-AD6F-4594-8B50-334492D2E7E8}" type="datetime1">
               <a:rPr lang="zh-TW" altLang="en-US" smtClean="0"/>
               <a:pPr/>
-              <a:t>2020/4/22</a:t>
+              <a:t>2020/4/27</a:t>
             </a:fld>
             <a:endParaRPr lang="zh-TW" altLang="en-US"/>
           </a:p>
@@ -3520,7 +3521,7 @@
             <a:fld id="{C389EDC9-19E3-47AC-9C57-C6A24DEA81AD}" type="datetime1">
               <a:rPr lang="zh-TW" altLang="en-US" smtClean="0"/>
               <a:pPr/>
-              <a:t>2020/4/22</a:t>
+              <a:t>2020/4/27</a:t>
             </a:fld>
             <a:endParaRPr lang="zh-TW" altLang="en-US"/>
           </a:p>
@@ -3617,143 +3618,6 @@
         </p:nvSpPr>
         <p:spPr>
           <a:xfrm>
-            <a:off x="0" y="2130425"/>
-            <a:ext cx="9144000" cy="1470025"/>
-          </a:xfrm>
-          <a:gradFill flip="none" rotWithShape="1">
-            <a:gsLst>
-              <a:gs pos="0">
-                <a:srgbClr val="00B0F0">
-                  <a:shade val="30000"/>
-                  <a:satMod val="115000"/>
-                </a:srgbClr>
-              </a:gs>
-              <a:gs pos="50000">
-                <a:srgbClr val="00B0F0">
-                  <a:shade val="67500"/>
-                  <a:satMod val="115000"/>
-                </a:srgbClr>
-              </a:gs>
-              <a:gs pos="100000">
-                <a:srgbClr val="00B0F0">
-                  <a:shade val="100000"/>
-                  <a:satMod val="115000"/>
-                </a:srgbClr>
-              </a:gs>
-            </a:gsLst>
-            <a:path path="circle">
-              <a:fillToRect t="100000" r="100000"/>
-            </a:path>
-            <a:tileRect l="-100000" b="-100000"/>
-          </a:gradFill>
-        </p:spPr>
-        <p:txBody>
-          <a:bodyPr>
-            <a:normAutofit/>
-          </a:bodyPr>
-          <a:lstStyle/>
-          <a:p>
-            <a:r>
-              <a:rPr lang="en-US" altLang="zh-TW" sz="6000" b="1" dirty="0">
-                <a:solidFill>
-                  <a:srgbClr val="FFFF00"/>
-                </a:solidFill>
-              </a:rPr>
-              <a:t>End of Chapter</a:t>
-            </a:r>
-            <a:endParaRPr lang="zh-TW" altLang="en-US" sz="6000" b="1" dirty="0">
-              <a:solidFill>
-                <a:srgbClr val="FFFF00"/>
-              </a:solidFill>
-            </a:endParaRPr>
-          </a:p>
-        </p:txBody>
-      </p:sp>
-      <p:sp>
-        <p:nvSpPr>
-          <p:cNvPr id="5" name="日期版面配置區 4"/>
-          <p:cNvSpPr>
-            <a:spLocks noGrp="1"/>
-          </p:cNvSpPr>
-          <p:nvPr>
-            <p:ph type="dt" sz="half" idx="10"/>
-          </p:nvPr>
-        </p:nvSpPr>
-        <p:spPr/>
-        <p:txBody>
-          <a:bodyPr/>
-          <a:lstStyle/>
-          <a:p>
-            <a:fld id="{4E46BE27-E923-4EC2-B046-3272AE2A3E5C}" type="datetime1">
-              <a:rPr lang="zh-TW" altLang="en-US" smtClean="0"/>
-              <a:pPr/>
-              <a:t>2020/4/22</a:t>
-            </a:fld>
-            <a:endParaRPr lang="zh-TW" altLang="en-US"/>
-          </a:p>
-        </p:txBody>
-      </p:sp>
-      <p:sp>
-        <p:nvSpPr>
-          <p:cNvPr id="6" name="投影片編號版面配置區 5"/>
-          <p:cNvSpPr>
-            <a:spLocks noGrp="1"/>
-          </p:cNvSpPr>
-          <p:nvPr>
-            <p:ph type="sldNum" sz="quarter" idx="12"/>
-          </p:nvPr>
-        </p:nvSpPr>
-        <p:spPr/>
-        <p:txBody>
-          <a:bodyPr/>
-          <a:lstStyle/>
-          <a:p>
-            <a:fld id="{E4D7E63D-91F2-4366-A2C4-1B00C9E2590E}" type="slidenum">
-              <a:rPr lang="zh-TW" altLang="en-US" smtClean="0"/>
-              <a:pPr/>
-              <a:t>10</a:t>
-            </a:fld>
-            <a:endParaRPr lang="zh-TW" altLang="en-US"/>
-          </a:p>
-        </p:txBody>
-      </p:sp>
-    </p:spTree>
-  </p:cSld>
-  <p:clrMapOvr>
-    <a:masterClrMapping/>
-  </p:clrMapOvr>
-</p:sld>
-</file>
-
-<file path=ppt/slides/slide2.xml><?xml version="1.0" encoding="utf-8"?>
-<p:sld xmlns:a="http://schemas.openxmlformats.org/drawingml/2006/main" xmlns:r="http://schemas.openxmlformats.org/officeDocument/2006/relationships" xmlns:p="http://schemas.openxmlformats.org/presentationml/2006/main">
-  <p:cSld>
-    <p:spTree>
-      <p:nvGrpSpPr>
-        <p:cNvPr id="1" name=""/>
-        <p:cNvGrpSpPr/>
-        <p:nvPr/>
-      </p:nvGrpSpPr>
-      <p:grpSpPr>
-        <a:xfrm>
-          <a:off x="0" y="0"/>
-          <a:ext cx="0" cy="0"/>
-          <a:chOff x="0" y="0"/>
-          <a:chExt cx="0" cy="0"/>
-        </a:xfrm>
-      </p:grpSpPr>
-      <p:sp>
-        <p:nvSpPr>
-          <p:cNvPr id="2" name="標題 1"/>
-          <p:cNvSpPr>
-            <a:spLocks noGrp="1"/>
-          </p:cNvSpPr>
-          <p:nvPr>
-            <p:ph type="ctrTitle"/>
-          </p:nvPr>
-        </p:nvSpPr>
-        <p:spPr>
-          <a:xfrm>
             <a:off x="0" y="1"/>
             <a:ext cx="9144000" cy="764704"/>
           </a:xfrm>
@@ -3797,7 +3661,7 @@
                   <a:srgbClr val="FFFF00"/>
                 </a:solidFill>
               </a:rPr>
-              <a:t>3 Docker Command</a:t>
+              <a:t>4.1 Run Docker Command</a:t>
             </a:r>
             <a:endParaRPr lang="zh-TW" altLang="en-US" b="1" dirty="0">
               <a:solidFill>
@@ -3820,7 +3684,7 @@
         <p:spPr>
           <a:xfrm>
             <a:off x="467544" y="1268762"/>
-            <a:ext cx="8064896" cy="1872206"/>
+            <a:ext cx="2880320" cy="1368150"/>
           </a:xfrm>
           <a:ln>
             <a:solidFill>
@@ -3848,7 +3712,7 @@
                   <a:schemeClr val="tx1"/>
                 </a:solidFill>
               </a:rPr>
-              <a:t>We discuss working with Docker and container.</a:t>
+              <a:t>&gt; docker run ubuntu</a:t>
             </a:r>
           </a:p>
           <a:p>
@@ -3866,11 +3730,11 @@
                   <a:schemeClr val="tx1"/>
                 </a:solidFill>
               </a:rPr>
-              <a:t>Docker can be executed via</a:t>
-            </a:r>
-          </a:p>
-          <a:p>
-            <a:pPr marL="800100" lvl="1" indent="-342900" algn="l">
+              <a:t>&gt; docker run hello-world</a:t>
+            </a:r>
+          </a:p>
+          <a:p>
+            <a:pPr marL="342900" indent="-342900" algn="l">
               <a:buClr>
                 <a:srgbClr val="0070C0"/>
               </a:buClr>
@@ -3884,11 +3748,27 @@
                   <a:schemeClr val="tx1"/>
                 </a:solidFill>
               </a:rPr>
-              <a:t>Git Shell (Windows)</a:t>
-            </a:r>
-          </a:p>
-          <a:p>
-            <a:pPr marL="800100" lvl="1" indent="-342900" algn="l">
+              <a:t>&gt; docker </a:t>
+            </a:r>
+            <a:r>
+              <a:rPr lang="en-US" sz="1800" b="1" dirty="0" err="1">
+                <a:solidFill>
+                  <a:schemeClr val="tx1"/>
+                </a:solidFill>
+              </a:rPr>
+              <a:t>ps</a:t>
+            </a:r>
+            <a:r>
+              <a:rPr lang="en-US" sz="1800" b="1" dirty="0">
+                <a:solidFill>
+                  <a:schemeClr val="tx1"/>
+                </a:solidFill>
+              </a:rPr>
+              <a:t> -a</a:t>
+            </a:r>
+          </a:p>
+          <a:p>
+            <a:pPr marL="342900" indent="-342900" algn="l">
               <a:buClr>
                 <a:srgbClr val="0070C0"/>
               </a:buClr>
@@ -3902,25 +3782,7 @@
                   <a:schemeClr val="tx1"/>
                 </a:solidFill>
               </a:rPr>
-              <a:t>Command prompt (Windows)</a:t>
-            </a:r>
-          </a:p>
-          <a:p>
-            <a:pPr marL="800100" lvl="1" indent="-342900" algn="l">
-              <a:buClr>
-                <a:srgbClr val="0070C0"/>
-              </a:buClr>
-              <a:buSzPct val="80000"/>
-              <a:buFont typeface="Wingdings" pitchFamily="2" charset="2"/>
-              <a:buChar char="u"/>
-            </a:pPr>
-            <a:r>
-              <a:rPr lang="en-US" sz="1800" b="1" dirty="0">
-                <a:solidFill>
-                  <a:schemeClr val="tx1"/>
-                </a:solidFill>
-              </a:rPr>
-              <a:t>Terminal (Mac/Linux)</a:t>
+              <a:t>&gt; docker images</a:t>
             </a:r>
           </a:p>
         </p:txBody>
@@ -4020,7 +3882,7 @@
             <a:fld id="{A4F910E6-8D00-4BAF-8C48-9688E0B449D3}" type="datetime1">
               <a:rPr lang="zh-TW" altLang="en-US" smtClean="0"/>
               <a:pPr/>
-              <a:t>2020/4/22</a:t>
+              <a:t>2020/4/27</a:t>
             </a:fld>
             <a:endParaRPr lang="zh-TW" altLang="en-US"/>
           </a:p>
@@ -4044,16 +3906,51 @@
             <a:fld id="{E4D7E63D-91F2-4366-A2C4-1B00C9E2590E}" type="slidenum">
               <a:rPr lang="zh-TW" altLang="en-US" smtClean="0"/>
               <a:pPr/>
-              <a:t>2</a:t>
+              <a:t>10</a:t>
             </a:fld>
             <a:endParaRPr lang="zh-TW" altLang="en-US"/>
           </a:p>
         </p:txBody>
       </p:sp>
+      <p:pic>
+        <p:nvPicPr>
+          <p:cNvPr id="14" name="Picture 13">
+            <a:extLst>
+              <a:ext uri="{FF2B5EF4-FFF2-40B4-BE49-F238E27FC236}">
+                <a16:creationId xmlns:a16="http://schemas.microsoft.com/office/drawing/2014/main" id="{8429E220-710A-4C63-966B-35AB4BC24D9F}"/>
+              </a:ext>
+            </a:extLst>
+          </p:cNvPr>
+          <p:cNvPicPr>
+            <a:picLocks noChangeAspect="1"/>
+          </p:cNvPicPr>
+          <p:nvPr/>
+        </p:nvPicPr>
+        <p:blipFill>
+          <a:blip r:embed="rId3"/>
+          <a:stretch>
+            <a:fillRect/>
+          </a:stretch>
+        </p:blipFill>
+        <p:spPr>
+          <a:xfrm>
+            <a:off x="3450896" y="1268762"/>
+            <a:ext cx="5235904" cy="3831819"/>
+          </a:xfrm>
+          <a:prstGeom prst="rect">
+            <a:avLst/>
+          </a:prstGeom>
+          <a:ln>
+            <a:solidFill>
+              <a:srgbClr val="C00000"/>
+            </a:solidFill>
+          </a:ln>
+        </p:spPr>
+      </p:pic>
     </p:spTree>
     <p:extLst>
       <p:ext uri="{BB962C8B-B14F-4D97-AF65-F5344CB8AC3E}">
-        <p14:creationId xmlns:p14="http://schemas.microsoft.com/office/powerpoint/2010/main" val="2779232521"/>
+        <p14:creationId xmlns:p14="http://schemas.microsoft.com/office/powerpoint/2010/main" val="4284327488"/>
       </p:ext>
     </p:extLst>
   </p:cSld>
@@ -4063,7 +3960,144 @@
 </p:sld>
 </file>
 
-<file path=ppt/slides/slide3.xml><?xml version="1.0" encoding="utf-8"?>
+<file path=ppt/slides/slide11.xml><?xml version="1.0" encoding="utf-8"?>
+<p:sld xmlns:a="http://schemas.openxmlformats.org/drawingml/2006/main" xmlns:r="http://schemas.openxmlformats.org/officeDocument/2006/relationships" xmlns:p="http://schemas.openxmlformats.org/presentationml/2006/main">
+  <p:cSld>
+    <p:spTree>
+      <p:nvGrpSpPr>
+        <p:cNvPr id="1" name=""/>
+        <p:cNvGrpSpPr/>
+        <p:nvPr/>
+      </p:nvGrpSpPr>
+      <p:grpSpPr>
+        <a:xfrm>
+          <a:off x="0" y="0"/>
+          <a:ext cx="0" cy="0"/>
+          <a:chOff x="0" y="0"/>
+          <a:chExt cx="0" cy="0"/>
+        </a:xfrm>
+      </p:grpSpPr>
+      <p:sp>
+        <p:nvSpPr>
+          <p:cNvPr id="2" name="標題 1"/>
+          <p:cNvSpPr>
+            <a:spLocks noGrp="1"/>
+          </p:cNvSpPr>
+          <p:nvPr>
+            <p:ph type="ctrTitle"/>
+          </p:nvPr>
+        </p:nvSpPr>
+        <p:spPr>
+          <a:xfrm>
+            <a:off x="0" y="2130425"/>
+            <a:ext cx="9144000" cy="1470025"/>
+          </a:xfrm>
+          <a:gradFill flip="none" rotWithShape="1">
+            <a:gsLst>
+              <a:gs pos="0">
+                <a:srgbClr val="00B0F0">
+                  <a:shade val="30000"/>
+                  <a:satMod val="115000"/>
+                </a:srgbClr>
+              </a:gs>
+              <a:gs pos="50000">
+                <a:srgbClr val="00B0F0">
+                  <a:shade val="67500"/>
+                  <a:satMod val="115000"/>
+                </a:srgbClr>
+              </a:gs>
+              <a:gs pos="100000">
+                <a:srgbClr val="00B0F0">
+                  <a:shade val="100000"/>
+                  <a:satMod val="115000"/>
+                </a:srgbClr>
+              </a:gs>
+            </a:gsLst>
+            <a:path path="circle">
+              <a:fillToRect t="100000" r="100000"/>
+            </a:path>
+            <a:tileRect l="-100000" b="-100000"/>
+          </a:gradFill>
+        </p:spPr>
+        <p:txBody>
+          <a:bodyPr>
+            <a:normAutofit/>
+          </a:bodyPr>
+          <a:lstStyle/>
+          <a:p>
+            <a:r>
+              <a:rPr lang="en-US" altLang="zh-TW" sz="6000" b="1" dirty="0">
+                <a:solidFill>
+                  <a:srgbClr val="FFFF00"/>
+                </a:solidFill>
+              </a:rPr>
+              <a:t>End of Chapter</a:t>
+            </a:r>
+            <a:endParaRPr lang="zh-TW" altLang="en-US" sz="6000" b="1" dirty="0">
+              <a:solidFill>
+                <a:srgbClr val="FFFF00"/>
+              </a:solidFill>
+            </a:endParaRPr>
+          </a:p>
+        </p:txBody>
+      </p:sp>
+      <p:sp>
+        <p:nvSpPr>
+          <p:cNvPr id="5" name="日期版面配置區 4"/>
+          <p:cNvSpPr>
+            <a:spLocks noGrp="1"/>
+          </p:cNvSpPr>
+          <p:nvPr>
+            <p:ph type="dt" sz="half" idx="10"/>
+          </p:nvPr>
+        </p:nvSpPr>
+        <p:spPr/>
+        <p:txBody>
+          <a:bodyPr/>
+          <a:lstStyle/>
+          <a:p>
+            <a:fld id="{4E46BE27-E923-4EC2-B046-3272AE2A3E5C}" type="datetime1">
+              <a:rPr lang="zh-TW" altLang="en-US" smtClean="0"/>
+              <a:pPr/>
+              <a:t>2020/4/27</a:t>
+            </a:fld>
+            <a:endParaRPr lang="zh-TW" altLang="en-US"/>
+          </a:p>
+        </p:txBody>
+      </p:sp>
+      <p:sp>
+        <p:nvSpPr>
+          <p:cNvPr id="6" name="投影片編號版面配置區 5"/>
+          <p:cNvSpPr>
+            <a:spLocks noGrp="1"/>
+          </p:cNvSpPr>
+          <p:nvPr>
+            <p:ph type="sldNum" sz="quarter" idx="12"/>
+          </p:nvPr>
+        </p:nvSpPr>
+        <p:spPr/>
+        <p:txBody>
+          <a:bodyPr/>
+          <a:lstStyle/>
+          <a:p>
+            <a:fld id="{E4D7E63D-91F2-4366-A2C4-1B00C9E2590E}" type="slidenum">
+              <a:rPr lang="zh-TW" altLang="en-US" smtClean="0"/>
+              <a:pPr/>
+              <a:t>11</a:t>
+            </a:fld>
+            <a:endParaRPr lang="zh-TW" altLang="en-US"/>
+          </a:p>
+        </p:txBody>
+      </p:sp>
+    </p:spTree>
+  </p:cSld>
+  <p:clrMapOvr>
+    <a:masterClrMapping/>
+  </p:clrMapOvr>
+</p:sld>
+</file>
+
+<file path=ppt/slides/slide2.xml><?xml version="1.0" encoding="utf-8"?>
 <p:sld xmlns:a="http://schemas.openxmlformats.org/drawingml/2006/main" xmlns:r="http://schemas.openxmlformats.org/officeDocument/2006/relationships" xmlns:p="http://schemas.openxmlformats.org/presentationml/2006/main">
   <p:cSld>
     <p:spTree>
@@ -4158,7 +4192,7 @@
         <p:spPr>
           <a:xfrm>
             <a:off x="467544" y="1268762"/>
-            <a:ext cx="2520280" cy="360040"/>
+            <a:ext cx="8064896" cy="1872206"/>
           </a:xfrm>
           <a:ln>
             <a:solidFill>
@@ -4186,7 +4220,7 @@
                   <a:schemeClr val="tx1"/>
                 </a:solidFill>
               </a:rPr>
-              <a:t>&gt; docker --help</a:t>
+              <a:t>We discuss working with Docker and container.</a:t>
             </a:r>
           </a:p>
           <a:p>
@@ -4198,11 +4232,68 @@
               <a:buFont typeface="Wingdings" pitchFamily="2" charset="2"/>
               <a:buChar char="u"/>
             </a:pPr>
-            <a:endParaRPr lang="en-US" sz="1800" b="1" dirty="0">
-              <a:solidFill>
-                <a:schemeClr val="tx1"/>
-              </a:solidFill>
-            </a:endParaRPr>
+            <a:r>
+              <a:rPr lang="en-US" sz="1800" b="1" dirty="0">
+                <a:solidFill>
+                  <a:schemeClr val="tx1"/>
+                </a:solidFill>
+              </a:rPr>
+              <a:t>Docker can be executed via</a:t>
+            </a:r>
+          </a:p>
+          <a:p>
+            <a:pPr marL="800100" lvl="1" indent="-342900" algn="l">
+              <a:buClr>
+                <a:srgbClr val="0070C0"/>
+              </a:buClr>
+              <a:buSzPct val="80000"/>
+              <a:buFont typeface="Wingdings" pitchFamily="2" charset="2"/>
+              <a:buChar char="u"/>
+            </a:pPr>
+            <a:r>
+              <a:rPr lang="en-US" sz="1800" b="1" dirty="0">
+                <a:solidFill>
+                  <a:schemeClr val="tx1"/>
+                </a:solidFill>
+              </a:rPr>
+              <a:t>Git Shell (Windows)</a:t>
+            </a:r>
+          </a:p>
+          <a:p>
+            <a:pPr marL="800100" lvl="1" indent="-342900" algn="l">
+              <a:buClr>
+                <a:srgbClr val="0070C0"/>
+              </a:buClr>
+              <a:buSzPct val="80000"/>
+              <a:buFont typeface="Wingdings" pitchFamily="2" charset="2"/>
+              <a:buChar char="u"/>
+            </a:pPr>
+            <a:r>
+              <a:rPr lang="en-US" sz="1800" b="1" dirty="0">
+                <a:solidFill>
+                  <a:schemeClr val="tx1"/>
+                </a:solidFill>
+              </a:rPr>
+              <a:t>Command prompt (Windows)</a:t>
+            </a:r>
+          </a:p>
+          <a:p>
+            <a:pPr marL="800100" lvl="1" indent="-342900" algn="l">
+              <a:buClr>
+                <a:srgbClr val="0070C0"/>
+              </a:buClr>
+              <a:buSzPct val="80000"/>
+              <a:buFont typeface="Wingdings" pitchFamily="2" charset="2"/>
+              <a:buChar char="u"/>
+            </a:pPr>
+            <a:r>
+              <a:rPr lang="en-US" sz="1800" b="1" dirty="0">
+                <a:solidFill>
+                  <a:schemeClr val="tx1"/>
+                </a:solidFill>
+              </a:rPr>
+              <a:t>Terminal (Mac/Linux)</a:t>
+            </a:r>
           </a:p>
         </p:txBody>
       </p:sp>
@@ -4301,7 +4392,288 @@
             <a:fld id="{A4F910E6-8D00-4BAF-8C48-9688E0B449D3}" type="datetime1">
               <a:rPr lang="zh-TW" altLang="en-US" smtClean="0"/>
               <a:pPr/>
-              <a:t>2020/4/22</a:t>
+              <a:t>2020/4/27</a:t>
+            </a:fld>
+            <a:endParaRPr lang="zh-TW" altLang="en-US"/>
+          </a:p>
+        </p:txBody>
+      </p:sp>
+      <p:sp>
+        <p:nvSpPr>
+          <p:cNvPr id="6" name="投影片編號版面配置區 5"/>
+          <p:cNvSpPr>
+            <a:spLocks noGrp="1"/>
+          </p:cNvSpPr>
+          <p:nvPr>
+            <p:ph type="sldNum" sz="quarter" idx="12"/>
+          </p:nvPr>
+        </p:nvSpPr>
+        <p:spPr/>
+        <p:txBody>
+          <a:bodyPr/>
+          <a:lstStyle/>
+          <a:p>
+            <a:fld id="{E4D7E63D-91F2-4366-A2C4-1B00C9E2590E}" type="slidenum">
+              <a:rPr lang="zh-TW" altLang="en-US" smtClean="0"/>
+              <a:pPr/>
+              <a:t>2</a:t>
+            </a:fld>
+            <a:endParaRPr lang="zh-TW" altLang="en-US"/>
+          </a:p>
+        </p:txBody>
+      </p:sp>
+    </p:spTree>
+    <p:extLst>
+      <p:ext uri="{BB962C8B-B14F-4D97-AF65-F5344CB8AC3E}">
+        <p14:creationId xmlns:p14="http://schemas.microsoft.com/office/powerpoint/2010/main" val="2779232521"/>
+      </p:ext>
+    </p:extLst>
+  </p:cSld>
+  <p:clrMapOvr>
+    <a:masterClrMapping/>
+  </p:clrMapOvr>
+</p:sld>
+</file>
+
+<file path=ppt/slides/slide3.xml><?xml version="1.0" encoding="utf-8"?>
+<p:sld xmlns:a="http://schemas.openxmlformats.org/drawingml/2006/main" xmlns:r="http://schemas.openxmlformats.org/officeDocument/2006/relationships" xmlns:p="http://schemas.openxmlformats.org/presentationml/2006/main">
+  <p:cSld>
+    <p:spTree>
+      <p:nvGrpSpPr>
+        <p:cNvPr id="1" name=""/>
+        <p:cNvGrpSpPr/>
+        <p:nvPr/>
+      </p:nvGrpSpPr>
+      <p:grpSpPr>
+        <a:xfrm>
+          <a:off x="0" y="0"/>
+          <a:ext cx="0" cy="0"/>
+          <a:chOff x="0" y="0"/>
+          <a:chExt cx="0" cy="0"/>
+        </a:xfrm>
+      </p:grpSpPr>
+      <p:sp>
+        <p:nvSpPr>
+          <p:cNvPr id="2" name="標題 1"/>
+          <p:cNvSpPr>
+            <a:spLocks noGrp="1"/>
+          </p:cNvSpPr>
+          <p:nvPr>
+            <p:ph type="ctrTitle"/>
+          </p:nvPr>
+        </p:nvSpPr>
+        <p:spPr>
+          <a:xfrm>
+            <a:off x="0" y="1"/>
+            <a:ext cx="9144000" cy="764704"/>
+          </a:xfrm>
+          <a:gradFill flip="none" rotWithShape="1">
+            <a:gsLst>
+              <a:gs pos="0">
+                <a:srgbClr val="C00000">
+                  <a:shade val="30000"/>
+                  <a:satMod val="115000"/>
+                </a:srgbClr>
+              </a:gs>
+              <a:gs pos="50000">
+                <a:srgbClr val="C00000">
+                  <a:shade val="67500"/>
+                  <a:satMod val="115000"/>
+                </a:srgbClr>
+              </a:gs>
+              <a:gs pos="100000">
+                <a:srgbClr val="C00000">
+                  <a:shade val="100000"/>
+                  <a:satMod val="115000"/>
+                </a:srgbClr>
+              </a:gs>
+            </a:gsLst>
+            <a:path path="circle">
+              <a:fillToRect t="100000" r="100000"/>
+            </a:path>
+            <a:tileRect l="-100000" b="-100000"/>
+          </a:gradFill>
+        </p:spPr>
+        <p:txBody>
+          <a:bodyPr>
+            <a:normAutofit/>
+          </a:bodyPr>
+          <a:lstStyle/>
+          <a:p>
+            <a:pPr algn="l"/>
+            <a:r>
+              <a:rPr lang="en-US" altLang="zh-TW" b="1" dirty="0">
+                <a:solidFill>
+                  <a:srgbClr val="FFFF00"/>
+                </a:solidFill>
+              </a:rPr>
+              <a:t>3 Docker Command</a:t>
+            </a:r>
+            <a:endParaRPr lang="zh-TW" altLang="en-US" b="1" dirty="0">
+              <a:solidFill>
+                <a:srgbClr val="FFFF00"/>
+              </a:solidFill>
+            </a:endParaRPr>
+          </a:p>
+        </p:txBody>
+      </p:sp>
+      <p:sp>
+        <p:nvSpPr>
+          <p:cNvPr id="3" name="副標題 2"/>
+          <p:cNvSpPr>
+            <a:spLocks noGrp="1"/>
+          </p:cNvSpPr>
+          <p:nvPr>
+            <p:ph type="subTitle" idx="1"/>
+          </p:nvPr>
+        </p:nvSpPr>
+        <p:spPr>
+          <a:xfrm>
+            <a:off x="467544" y="1268762"/>
+            <a:ext cx="2520280" cy="360040"/>
+          </a:xfrm>
+          <a:ln>
+            <a:solidFill>
+              <a:srgbClr val="C00000"/>
+            </a:solidFill>
+          </a:ln>
+        </p:spPr>
+        <p:txBody>
+          <a:bodyPr>
+            <a:noAutofit/>
+          </a:bodyPr>
+          <a:lstStyle/>
+          <a:p>
+            <a:pPr marL="342900" indent="-342900" algn="l">
+              <a:buClr>
+                <a:srgbClr val="0070C0"/>
+              </a:buClr>
+              <a:buSzPct val="80000"/>
+              <a:buFont typeface="Wingdings" pitchFamily="2" charset="2"/>
+              <a:buChar char="u"/>
+            </a:pPr>
+            <a:r>
+              <a:rPr lang="en-US" sz="1800" b="1" dirty="0">
+                <a:solidFill>
+                  <a:schemeClr val="tx1"/>
+                </a:solidFill>
+              </a:rPr>
+              <a:t>&gt; docker --help</a:t>
+            </a:r>
+          </a:p>
+          <a:p>
+            <a:pPr marL="342900" indent="-342900" algn="l">
+              <a:buClr>
+                <a:srgbClr val="0070C0"/>
+              </a:buClr>
+              <a:buSzPct val="80000"/>
+              <a:buFont typeface="Wingdings" pitchFamily="2" charset="2"/>
+              <a:buChar char="u"/>
+            </a:pPr>
+            <a:endParaRPr lang="en-US" sz="1800" b="1" dirty="0">
+              <a:solidFill>
+                <a:schemeClr val="tx1"/>
+              </a:solidFill>
+            </a:endParaRPr>
+          </a:p>
+        </p:txBody>
+      </p:sp>
+      <p:sp>
+        <p:nvSpPr>
+          <p:cNvPr id="4" name="標題 1"/>
+          <p:cNvSpPr txBox="1">
+            <a:spLocks/>
+          </p:cNvSpPr>
+          <p:nvPr/>
+        </p:nvSpPr>
+        <p:spPr>
+          <a:xfrm>
+            <a:off x="0" y="764704"/>
+            <a:ext cx="9144000" cy="360040"/>
+          </a:xfrm>
+          <a:prstGeom prst="rect">
+            <a:avLst/>
+          </a:prstGeom>
+          <a:gradFill flip="none" rotWithShape="1">
+            <a:gsLst>
+              <a:gs pos="0">
+                <a:srgbClr val="00B0F0">
+                  <a:shade val="30000"/>
+                  <a:satMod val="115000"/>
+                </a:srgbClr>
+              </a:gs>
+              <a:gs pos="50000">
+                <a:srgbClr val="00B0F0">
+                  <a:shade val="67500"/>
+                  <a:satMod val="115000"/>
+                </a:srgbClr>
+              </a:gs>
+              <a:gs pos="100000">
+                <a:srgbClr val="00B0F0">
+                  <a:shade val="100000"/>
+                  <a:satMod val="115000"/>
+                </a:srgbClr>
+              </a:gs>
+            </a:gsLst>
+            <a:path path="circle">
+              <a:fillToRect t="100000" r="100000"/>
+            </a:path>
+            <a:tileRect l="-100000" b="-100000"/>
+          </a:gradFill>
+        </p:spPr>
+        <p:txBody>
+          <a:bodyPr vert="horz" lIns="91440" tIns="45720" rIns="91440" bIns="45720" rtlCol="0" anchor="ctr">
+            <a:normAutofit/>
+          </a:bodyPr>
+          <a:lstStyle/>
+          <a:p>
+            <a:pPr lvl="0">
+              <a:spcBef>
+                <a:spcPct val="0"/>
+              </a:spcBef>
+            </a:pPr>
+            <a:r>
+              <a:rPr lang="en-US" sz="1600" dirty="0">
+                <a:hlinkClick r:id="rId2"/>
+              </a:rPr>
+              <a:t>https://www.youtube.com/watch?v=v-sVpk8nxbA&amp;list=PL6tu16kXT9PqdhOZk4MNVtQDJp6xFrotg&amp;index=4</a:t>
+            </a:r>
+            <a:endParaRPr kumimoji="0" lang="zh-TW" altLang="en-US" sz="1600" b="0" i="0" u="none" strike="noStrike" kern="1200" cap="none" spc="0" normalizeH="0" baseline="0" noProof="0" dirty="0">
+              <a:ln>
+                <a:noFill/>
+              </a:ln>
+              <a:solidFill>
+                <a:schemeClr val="tx1"/>
+              </a:solidFill>
+              <a:effectLst/>
+              <a:uLnTx/>
+              <a:uFillTx/>
+              <a:latin typeface="+mj-lt"/>
+              <a:ea typeface="+mj-ea"/>
+              <a:cs typeface="+mj-cs"/>
+            </a:endParaRPr>
+          </a:p>
+        </p:txBody>
+      </p:sp>
+      <p:sp>
+        <p:nvSpPr>
+          <p:cNvPr id="5" name="日期版面配置區 4"/>
+          <p:cNvSpPr>
+            <a:spLocks noGrp="1"/>
+          </p:cNvSpPr>
+          <p:nvPr>
+            <p:ph type="dt" sz="half" idx="10"/>
+          </p:nvPr>
+        </p:nvSpPr>
+        <p:spPr/>
+        <p:txBody>
+          <a:bodyPr/>
+          <a:lstStyle/>
+          <a:p>
+            <a:fld id="{A4F910E6-8D00-4BAF-8C48-9688E0B449D3}" type="datetime1">
+              <a:rPr lang="zh-TW" altLang="en-US" smtClean="0"/>
+              <a:pPr/>
+              <a:t>2020/4/27</a:t>
             </a:fld>
             <a:endParaRPr lang="zh-TW" altLang="en-US"/>
           </a:p>
@@ -4653,7 +5025,7 @@
             <a:fld id="{A4F910E6-8D00-4BAF-8C48-9688E0B449D3}" type="datetime1">
               <a:rPr lang="zh-TW" altLang="en-US" smtClean="0"/>
               <a:pPr/>
-              <a:t>2020/4/22</a:t>
+              <a:t>2020/4/27</a:t>
             </a:fld>
             <a:endParaRPr lang="zh-TW" altLang="en-US"/>
           </a:p>
@@ -5147,7 +5519,7 @@
             <a:fld id="{A4F910E6-8D00-4BAF-8C48-9688E0B449D3}" type="datetime1">
               <a:rPr lang="zh-TW" altLang="en-US" smtClean="0"/>
               <a:pPr/>
-              <a:t>2020/4/22</a:t>
+              <a:t>2020/4/27</a:t>
             </a:fld>
             <a:endParaRPr lang="zh-TW" altLang="en-US"/>
           </a:p>
@@ -5266,7 +5638,7 @@
             <a:fld id="{C389EDC9-19E3-47AC-9C57-C6A24DEA81AD}" type="datetime1">
               <a:rPr lang="zh-TW" altLang="en-US" smtClean="0"/>
               <a:pPr/>
-              <a:t>2020/4/22</a:t>
+              <a:t>2020/4/27</a:t>
             </a:fld>
             <a:endParaRPr lang="zh-TW" altLang="en-US"/>
           </a:p>
@@ -5433,8 +5805,8 @@
         </p:nvSpPr>
         <p:spPr>
           <a:xfrm>
-            <a:off x="467544" y="1268762"/>
-            <a:ext cx="2736304" cy="432046"/>
+            <a:off x="467543" y="1268762"/>
+            <a:ext cx="2768025" cy="432046"/>
           </a:xfrm>
           <a:ln>
             <a:solidFill>
@@ -5462,7 +5834,7 @@
                   <a:schemeClr val="tx1"/>
                 </a:solidFill>
               </a:rPr>
-              <a:t>&gt; docker --help</a:t>
+              <a:t>Docker command</a:t>
             </a:r>
           </a:p>
         </p:txBody>
@@ -5512,7 +5884,7 @@
         </p:spPr>
         <p:txBody>
           <a:bodyPr vert="horz" lIns="91440" tIns="45720" rIns="91440" bIns="45720" rtlCol="0" anchor="ctr">
-            <a:normAutofit/>
+            <a:normAutofit fontScale="92500"/>
           </a:bodyPr>
           <a:lstStyle/>
           <a:p>
@@ -5525,7 +5897,7 @@
               <a:rPr lang="en-US" sz="1600" dirty="0">
                 <a:hlinkClick r:id="rId2"/>
               </a:rPr>
-              <a:t>https://www.youtube.com/watch?v=v-sVpk8nxbA&amp;list=PL6tu16kXT9PqdhOZk4MNVtQDJp6xFrotg&amp;index=4</a:t>
+              <a:t>https://www.youtube.com/watch?v=HqBMEmoAd1M&amp;list=PLhW3qG5bs-L99pQsZ74f-LC-tOEsBp2rK&amp;index=8</a:t>
             </a:r>
             <a:endParaRPr kumimoji="0" lang="zh-TW" altLang="en-US" sz="1600" b="0" i="0" u="none" strike="noStrike" kern="1200" cap="none" spc="0" normalizeH="0" baseline="0" noProof="0" dirty="0">
               <a:ln>
@@ -5562,7 +5934,7 @@
             <a:fld id="{A4F910E6-8D00-4BAF-8C48-9688E0B449D3}" type="datetime1">
               <a:rPr lang="zh-TW" altLang="en-US" smtClean="0"/>
               <a:pPr/>
-              <a:t>2020/4/22</a:t>
+              <a:t>2020/4/27</a:t>
             </a:fld>
             <a:endParaRPr lang="zh-TW" altLang="en-US"/>
           </a:p>
@@ -5594,10 +5966,10 @@
       </p:sp>
       <p:pic>
         <p:nvPicPr>
-          <p:cNvPr id="7" name="Picture 6">
+          <p:cNvPr id="8" name="Picture 7">
             <a:extLst>
               <a:ext uri="{FF2B5EF4-FFF2-40B4-BE49-F238E27FC236}">
-                <a16:creationId xmlns:a16="http://schemas.microsoft.com/office/drawing/2014/main" id="{C11A01A2-F8DA-400C-8793-8BDDA793B2C5}"/>
+                <a16:creationId xmlns:a16="http://schemas.microsoft.com/office/drawing/2014/main" id="{FD9AE211-CF80-4F87-B053-03CA379B0118}"/>
               </a:ext>
             </a:extLst>
           </p:cNvPr>
@@ -5614,8 +5986,8 @@
         </p:blipFill>
         <p:spPr>
           <a:xfrm>
-            <a:off x="3629063" y="1267635"/>
-            <a:ext cx="4471329" cy="5293913"/>
+            <a:off x="4360621" y="1268762"/>
+            <a:ext cx="3095625" cy="4572000"/>
           </a:xfrm>
           <a:prstGeom prst="rect">
             <a:avLst/>
@@ -5763,21 +6135,8 @@
                   <a:schemeClr val="tx1"/>
                 </a:solidFill>
               </a:rPr>
-              <a:t>&gt; docker </a:t>
-            </a:r>
-            <a:r>
-              <a:rPr lang="en-US" sz="1800" b="1" dirty="0" err="1">
-                <a:solidFill>
-                  <a:schemeClr val="tx1"/>
-                </a:solidFill>
-              </a:rPr>
-              <a:t>ps</a:t>
-            </a:r>
-            <a:endParaRPr lang="en-US" sz="1800" b="1" dirty="0">
-              <a:solidFill>
-                <a:schemeClr val="tx1"/>
-              </a:solidFill>
-            </a:endParaRPr>
+              <a:t>&gt; docker --help</a:t>
+            </a:r>
           </a:p>
         </p:txBody>
       </p:sp>
@@ -5876,7 +6235,7 @@
             <a:fld id="{A4F910E6-8D00-4BAF-8C48-9688E0B449D3}" type="datetime1">
               <a:rPr lang="zh-TW" altLang="en-US" smtClean="0"/>
               <a:pPr/>
-              <a:t>2020/4/22</a:t>
+              <a:t>2020/4/27</a:t>
             </a:fld>
             <a:endParaRPr lang="zh-TW" altLang="en-US"/>
           </a:p>
@@ -5901,6 +6260,320 @@
               <a:rPr lang="zh-TW" altLang="en-US" smtClean="0"/>
               <a:pPr/>
               <a:t>8</a:t>
+            </a:fld>
+            <a:endParaRPr lang="zh-TW" altLang="en-US"/>
+          </a:p>
+        </p:txBody>
+      </p:sp>
+      <p:pic>
+        <p:nvPicPr>
+          <p:cNvPr id="7" name="Picture 6">
+            <a:extLst>
+              <a:ext uri="{FF2B5EF4-FFF2-40B4-BE49-F238E27FC236}">
+                <a16:creationId xmlns:a16="http://schemas.microsoft.com/office/drawing/2014/main" id="{C11A01A2-F8DA-400C-8793-8BDDA793B2C5}"/>
+              </a:ext>
+            </a:extLst>
+          </p:cNvPr>
+          <p:cNvPicPr>
+            <a:picLocks noChangeAspect="1"/>
+          </p:cNvPicPr>
+          <p:nvPr/>
+        </p:nvPicPr>
+        <p:blipFill>
+          <a:blip r:embed="rId3"/>
+          <a:stretch>
+            <a:fillRect/>
+          </a:stretch>
+        </p:blipFill>
+        <p:spPr>
+          <a:xfrm>
+            <a:off x="3629063" y="1267635"/>
+            <a:ext cx="4471329" cy="5293913"/>
+          </a:xfrm>
+          <a:prstGeom prst="rect">
+            <a:avLst/>
+          </a:prstGeom>
+          <a:ln>
+            <a:solidFill>
+              <a:srgbClr val="C00000"/>
+            </a:solidFill>
+          </a:ln>
+        </p:spPr>
+      </p:pic>
+    </p:spTree>
+    <p:extLst>
+      <p:ext uri="{BB962C8B-B14F-4D97-AF65-F5344CB8AC3E}">
+        <p14:creationId xmlns:p14="http://schemas.microsoft.com/office/powerpoint/2010/main" val="3955404981"/>
+      </p:ext>
+    </p:extLst>
+  </p:cSld>
+  <p:clrMapOvr>
+    <a:masterClrMapping/>
+  </p:clrMapOvr>
+</p:sld>
+</file>
+
+<file path=ppt/slides/slide9.xml><?xml version="1.0" encoding="utf-8"?>
+<p:sld xmlns:a="http://schemas.openxmlformats.org/drawingml/2006/main" xmlns:r="http://schemas.openxmlformats.org/officeDocument/2006/relationships" xmlns:p="http://schemas.openxmlformats.org/presentationml/2006/main">
+  <p:cSld>
+    <p:spTree>
+      <p:nvGrpSpPr>
+        <p:cNvPr id="1" name=""/>
+        <p:cNvGrpSpPr/>
+        <p:nvPr/>
+      </p:nvGrpSpPr>
+      <p:grpSpPr>
+        <a:xfrm>
+          <a:off x="0" y="0"/>
+          <a:ext cx="0" cy="0"/>
+          <a:chOff x="0" y="0"/>
+          <a:chExt cx="0" cy="0"/>
+        </a:xfrm>
+      </p:grpSpPr>
+      <p:sp>
+        <p:nvSpPr>
+          <p:cNvPr id="2" name="標題 1"/>
+          <p:cNvSpPr>
+            <a:spLocks noGrp="1"/>
+          </p:cNvSpPr>
+          <p:nvPr>
+            <p:ph type="ctrTitle"/>
+          </p:nvPr>
+        </p:nvSpPr>
+        <p:spPr>
+          <a:xfrm>
+            <a:off x="0" y="1"/>
+            <a:ext cx="9144000" cy="764704"/>
+          </a:xfrm>
+          <a:gradFill flip="none" rotWithShape="1">
+            <a:gsLst>
+              <a:gs pos="0">
+                <a:srgbClr val="C00000">
+                  <a:shade val="30000"/>
+                  <a:satMod val="115000"/>
+                </a:srgbClr>
+              </a:gs>
+              <a:gs pos="50000">
+                <a:srgbClr val="C00000">
+                  <a:shade val="67500"/>
+                  <a:satMod val="115000"/>
+                </a:srgbClr>
+              </a:gs>
+              <a:gs pos="100000">
+                <a:srgbClr val="C00000">
+                  <a:shade val="100000"/>
+                  <a:satMod val="115000"/>
+                </a:srgbClr>
+              </a:gs>
+            </a:gsLst>
+            <a:path path="circle">
+              <a:fillToRect t="100000" r="100000"/>
+            </a:path>
+            <a:tileRect l="-100000" b="-100000"/>
+          </a:gradFill>
+        </p:spPr>
+        <p:txBody>
+          <a:bodyPr>
+            <a:normAutofit/>
+          </a:bodyPr>
+          <a:lstStyle/>
+          <a:p>
+            <a:pPr algn="l"/>
+            <a:r>
+              <a:rPr lang="en-US" altLang="zh-TW" b="1" dirty="0">
+                <a:solidFill>
+                  <a:srgbClr val="FFFF00"/>
+                </a:solidFill>
+              </a:rPr>
+              <a:t>4.1 Run Docker Command</a:t>
+            </a:r>
+            <a:endParaRPr lang="zh-TW" altLang="en-US" b="1" dirty="0">
+              <a:solidFill>
+                <a:srgbClr val="FFFF00"/>
+              </a:solidFill>
+            </a:endParaRPr>
+          </a:p>
+        </p:txBody>
+      </p:sp>
+      <p:sp>
+        <p:nvSpPr>
+          <p:cNvPr id="3" name="副標題 2"/>
+          <p:cNvSpPr>
+            <a:spLocks noGrp="1"/>
+          </p:cNvSpPr>
+          <p:nvPr>
+            <p:ph type="subTitle" idx="1"/>
+          </p:nvPr>
+        </p:nvSpPr>
+        <p:spPr>
+          <a:xfrm>
+            <a:off x="467544" y="1268762"/>
+            <a:ext cx="2736304" cy="432046"/>
+          </a:xfrm>
+          <a:ln>
+            <a:solidFill>
+              <a:srgbClr val="C00000"/>
+            </a:solidFill>
+          </a:ln>
+        </p:spPr>
+        <p:txBody>
+          <a:bodyPr>
+            <a:noAutofit/>
+          </a:bodyPr>
+          <a:lstStyle/>
+          <a:p>
+            <a:pPr marL="342900" indent="-342900" algn="l">
+              <a:buClr>
+                <a:srgbClr val="0070C0"/>
+              </a:buClr>
+              <a:buSzPct val="80000"/>
+              <a:buFont typeface="Wingdings" pitchFamily="2" charset="2"/>
+              <a:buChar char="u"/>
+            </a:pPr>
+            <a:r>
+              <a:rPr lang="en-US" sz="1800" b="1" dirty="0">
+                <a:solidFill>
+                  <a:schemeClr val="tx1"/>
+                </a:solidFill>
+              </a:rPr>
+              <a:t>&gt; docker </a:t>
+            </a:r>
+            <a:r>
+              <a:rPr lang="en-US" sz="1800" b="1" dirty="0" err="1">
+                <a:solidFill>
+                  <a:schemeClr val="tx1"/>
+                </a:solidFill>
+              </a:rPr>
+              <a:t>ps</a:t>
+            </a:r>
+            <a:endParaRPr lang="en-US" sz="1800" b="1" dirty="0">
+              <a:solidFill>
+                <a:schemeClr val="tx1"/>
+              </a:solidFill>
+            </a:endParaRPr>
+          </a:p>
+        </p:txBody>
+      </p:sp>
+      <p:sp>
+        <p:nvSpPr>
+          <p:cNvPr id="4" name="標題 1"/>
+          <p:cNvSpPr txBox="1">
+            <a:spLocks/>
+          </p:cNvSpPr>
+          <p:nvPr/>
+        </p:nvSpPr>
+        <p:spPr>
+          <a:xfrm>
+            <a:off x="0" y="764704"/>
+            <a:ext cx="9144000" cy="360040"/>
+          </a:xfrm>
+          <a:prstGeom prst="rect">
+            <a:avLst/>
+          </a:prstGeom>
+          <a:gradFill flip="none" rotWithShape="1">
+            <a:gsLst>
+              <a:gs pos="0">
+                <a:srgbClr val="00B0F0">
+                  <a:shade val="30000"/>
+                  <a:satMod val="115000"/>
+                </a:srgbClr>
+              </a:gs>
+              <a:gs pos="50000">
+                <a:srgbClr val="00B0F0">
+                  <a:shade val="67500"/>
+                  <a:satMod val="115000"/>
+                </a:srgbClr>
+              </a:gs>
+              <a:gs pos="100000">
+                <a:srgbClr val="00B0F0">
+                  <a:shade val="100000"/>
+                  <a:satMod val="115000"/>
+                </a:srgbClr>
+              </a:gs>
+            </a:gsLst>
+            <a:path path="circle">
+              <a:fillToRect t="100000" r="100000"/>
+            </a:path>
+            <a:tileRect l="-100000" b="-100000"/>
+          </a:gradFill>
+        </p:spPr>
+        <p:txBody>
+          <a:bodyPr vert="horz" lIns="91440" tIns="45720" rIns="91440" bIns="45720" rtlCol="0" anchor="ctr">
+            <a:normAutofit/>
+          </a:bodyPr>
+          <a:lstStyle/>
+          <a:p>
+            <a:pPr lvl="0">
+              <a:spcBef>
+                <a:spcPct val="0"/>
+              </a:spcBef>
+            </a:pPr>
+            <a:r>
+              <a:rPr lang="en-US" sz="1600" dirty="0">
+                <a:hlinkClick r:id="rId2"/>
+              </a:rPr>
+              <a:t>https://www.youtube.com/watch?v=v-sVpk8nxbA&amp;list=PL6tu16kXT9PqdhOZk4MNVtQDJp6xFrotg&amp;index=4</a:t>
+            </a:r>
+            <a:endParaRPr kumimoji="0" lang="zh-TW" altLang="en-US" sz="1600" b="0" i="0" u="none" strike="noStrike" kern="1200" cap="none" spc="0" normalizeH="0" baseline="0" noProof="0" dirty="0">
+              <a:ln>
+                <a:noFill/>
+              </a:ln>
+              <a:solidFill>
+                <a:schemeClr val="tx1"/>
+              </a:solidFill>
+              <a:effectLst/>
+              <a:uLnTx/>
+              <a:uFillTx/>
+              <a:latin typeface="+mj-lt"/>
+              <a:ea typeface="+mj-ea"/>
+              <a:cs typeface="+mj-cs"/>
+            </a:endParaRPr>
+          </a:p>
+        </p:txBody>
+      </p:sp>
+      <p:sp>
+        <p:nvSpPr>
+          <p:cNvPr id="5" name="日期版面配置區 4"/>
+          <p:cNvSpPr>
+            <a:spLocks noGrp="1"/>
+          </p:cNvSpPr>
+          <p:nvPr>
+            <p:ph type="dt" sz="half" idx="10"/>
+          </p:nvPr>
+        </p:nvSpPr>
+        <p:spPr/>
+        <p:txBody>
+          <a:bodyPr/>
+          <a:lstStyle/>
+          <a:p>
+            <a:fld id="{A4F910E6-8D00-4BAF-8C48-9688E0B449D3}" type="datetime1">
+              <a:rPr lang="zh-TW" altLang="en-US" smtClean="0"/>
+              <a:pPr/>
+              <a:t>2020/4/27</a:t>
+            </a:fld>
+            <a:endParaRPr lang="zh-TW" altLang="en-US"/>
+          </a:p>
+        </p:txBody>
+      </p:sp>
+      <p:sp>
+        <p:nvSpPr>
+          <p:cNvPr id="6" name="投影片編號版面配置區 5"/>
+          <p:cNvSpPr>
+            <a:spLocks noGrp="1"/>
+          </p:cNvSpPr>
+          <p:nvPr>
+            <p:ph type="sldNum" sz="quarter" idx="12"/>
+          </p:nvPr>
+        </p:nvSpPr>
+        <p:spPr/>
+        <p:txBody>
+          <a:bodyPr/>
+          <a:lstStyle/>
+          <a:p>
+            <a:fld id="{E4D7E63D-91F2-4366-A2C4-1B00C9E2590E}" type="slidenum">
+              <a:rPr lang="zh-TW" altLang="en-US" smtClean="0"/>
+              <a:pPr/>
+              <a:t>9</a:t>
             </a:fld>
             <a:endParaRPr lang="zh-TW" altLang="en-US"/>
           </a:p>
@@ -6652,377 +7325,6 @@
     <p:extLst>
       <p:ext uri="{BB962C8B-B14F-4D97-AF65-F5344CB8AC3E}">
         <p14:creationId xmlns:p14="http://schemas.microsoft.com/office/powerpoint/2010/main" val="708520014"/>
-      </p:ext>
-    </p:extLst>
-  </p:cSld>
-  <p:clrMapOvr>
-    <a:masterClrMapping/>
-  </p:clrMapOvr>
-</p:sld>
-</file>
-
-<file path=ppt/slides/slide9.xml><?xml version="1.0" encoding="utf-8"?>
-<p:sld xmlns:a="http://schemas.openxmlformats.org/drawingml/2006/main" xmlns:r="http://schemas.openxmlformats.org/officeDocument/2006/relationships" xmlns:p="http://schemas.openxmlformats.org/presentationml/2006/main">
-  <p:cSld>
-    <p:spTree>
-      <p:nvGrpSpPr>
-        <p:cNvPr id="1" name=""/>
-        <p:cNvGrpSpPr/>
-        <p:nvPr/>
-      </p:nvGrpSpPr>
-      <p:grpSpPr>
-        <a:xfrm>
-          <a:off x="0" y="0"/>
-          <a:ext cx="0" cy="0"/>
-          <a:chOff x="0" y="0"/>
-          <a:chExt cx="0" cy="0"/>
-        </a:xfrm>
-      </p:grpSpPr>
-      <p:sp>
-        <p:nvSpPr>
-          <p:cNvPr id="2" name="標題 1"/>
-          <p:cNvSpPr>
-            <a:spLocks noGrp="1"/>
-          </p:cNvSpPr>
-          <p:nvPr>
-            <p:ph type="ctrTitle"/>
-          </p:nvPr>
-        </p:nvSpPr>
-        <p:spPr>
-          <a:xfrm>
-            <a:off x="0" y="1"/>
-            <a:ext cx="9144000" cy="764704"/>
-          </a:xfrm>
-          <a:gradFill flip="none" rotWithShape="1">
-            <a:gsLst>
-              <a:gs pos="0">
-                <a:srgbClr val="C00000">
-                  <a:shade val="30000"/>
-                  <a:satMod val="115000"/>
-                </a:srgbClr>
-              </a:gs>
-              <a:gs pos="50000">
-                <a:srgbClr val="C00000">
-                  <a:shade val="67500"/>
-                  <a:satMod val="115000"/>
-                </a:srgbClr>
-              </a:gs>
-              <a:gs pos="100000">
-                <a:srgbClr val="C00000">
-                  <a:shade val="100000"/>
-                  <a:satMod val="115000"/>
-                </a:srgbClr>
-              </a:gs>
-            </a:gsLst>
-            <a:path path="circle">
-              <a:fillToRect t="100000" r="100000"/>
-            </a:path>
-            <a:tileRect l="-100000" b="-100000"/>
-          </a:gradFill>
-        </p:spPr>
-        <p:txBody>
-          <a:bodyPr>
-            <a:normAutofit/>
-          </a:bodyPr>
-          <a:lstStyle/>
-          <a:p>
-            <a:pPr algn="l"/>
-            <a:r>
-              <a:rPr lang="en-US" altLang="zh-TW" b="1" dirty="0">
-                <a:solidFill>
-                  <a:srgbClr val="FFFF00"/>
-                </a:solidFill>
-              </a:rPr>
-              <a:t>4.1 Run Docker Command</a:t>
-            </a:r>
-            <a:endParaRPr lang="zh-TW" altLang="en-US" b="1" dirty="0">
-              <a:solidFill>
-                <a:srgbClr val="FFFF00"/>
-              </a:solidFill>
-            </a:endParaRPr>
-          </a:p>
-        </p:txBody>
-      </p:sp>
-      <p:sp>
-        <p:nvSpPr>
-          <p:cNvPr id="3" name="副標題 2"/>
-          <p:cNvSpPr>
-            <a:spLocks noGrp="1"/>
-          </p:cNvSpPr>
-          <p:nvPr>
-            <p:ph type="subTitle" idx="1"/>
-          </p:nvPr>
-        </p:nvSpPr>
-        <p:spPr>
-          <a:xfrm>
-            <a:off x="467544" y="1268762"/>
-            <a:ext cx="2880320" cy="1368150"/>
-          </a:xfrm>
-          <a:ln>
-            <a:solidFill>
-              <a:srgbClr val="C00000"/>
-            </a:solidFill>
-          </a:ln>
-        </p:spPr>
-        <p:txBody>
-          <a:bodyPr>
-            <a:noAutofit/>
-          </a:bodyPr>
-          <a:lstStyle/>
-          <a:p>
-            <a:pPr marL="342900" indent="-342900" algn="l">
-              <a:buClr>
-                <a:srgbClr val="0070C0"/>
-              </a:buClr>
-              <a:buSzPct val="80000"/>
-              <a:buFont typeface="Wingdings" pitchFamily="2" charset="2"/>
-              <a:buChar char="u"/>
-            </a:pPr>
-            <a:r>
-              <a:rPr lang="en-US" sz="1800" b="1" dirty="0">
-                <a:solidFill>
-                  <a:schemeClr val="tx1"/>
-                </a:solidFill>
-              </a:rPr>
-              <a:t>&gt; docker run ubuntu</a:t>
-            </a:r>
-          </a:p>
-          <a:p>
-            <a:pPr marL="342900" indent="-342900" algn="l">
-              <a:buClr>
-                <a:srgbClr val="0070C0"/>
-              </a:buClr>
-              <a:buSzPct val="80000"/>
-              <a:buFont typeface="Wingdings" pitchFamily="2" charset="2"/>
-              <a:buChar char="u"/>
-            </a:pPr>
-            <a:r>
-              <a:rPr lang="en-US" sz="1800" b="1" dirty="0">
-                <a:solidFill>
-                  <a:schemeClr val="tx1"/>
-                </a:solidFill>
-              </a:rPr>
-              <a:t>&gt; docker run hello-world</a:t>
-            </a:r>
-          </a:p>
-          <a:p>
-            <a:pPr marL="342900" indent="-342900" algn="l">
-              <a:buClr>
-                <a:srgbClr val="0070C0"/>
-              </a:buClr>
-              <a:buSzPct val="80000"/>
-              <a:buFont typeface="Wingdings" pitchFamily="2" charset="2"/>
-              <a:buChar char="u"/>
-            </a:pPr>
-            <a:r>
-              <a:rPr lang="en-US" sz="1800" b="1" dirty="0">
-                <a:solidFill>
-                  <a:schemeClr val="tx1"/>
-                </a:solidFill>
-              </a:rPr>
-              <a:t>&gt; docker </a:t>
-            </a:r>
-            <a:r>
-              <a:rPr lang="en-US" sz="1800" b="1" dirty="0" err="1">
-                <a:solidFill>
-                  <a:schemeClr val="tx1"/>
-                </a:solidFill>
-              </a:rPr>
-              <a:t>ps</a:t>
-            </a:r>
-            <a:r>
-              <a:rPr lang="en-US" sz="1800" b="1" dirty="0">
-                <a:solidFill>
-                  <a:schemeClr val="tx1"/>
-                </a:solidFill>
-              </a:rPr>
-              <a:t> -a</a:t>
-            </a:r>
-          </a:p>
-          <a:p>
-            <a:pPr marL="342900" indent="-342900" algn="l">
-              <a:buClr>
-                <a:srgbClr val="0070C0"/>
-              </a:buClr>
-              <a:buSzPct val="80000"/>
-              <a:buFont typeface="Wingdings" pitchFamily="2" charset="2"/>
-              <a:buChar char="u"/>
-            </a:pPr>
-            <a:r>
-              <a:rPr lang="en-US" sz="1800" b="1" dirty="0">
-                <a:solidFill>
-                  <a:schemeClr val="tx1"/>
-                </a:solidFill>
-              </a:rPr>
-              <a:t>&gt; docker images</a:t>
-            </a:r>
-          </a:p>
-        </p:txBody>
-      </p:sp>
-      <p:sp>
-        <p:nvSpPr>
-          <p:cNvPr id="4" name="標題 1"/>
-          <p:cNvSpPr txBox="1">
-            <a:spLocks/>
-          </p:cNvSpPr>
-          <p:nvPr/>
-        </p:nvSpPr>
-        <p:spPr>
-          <a:xfrm>
-            <a:off x="0" y="764704"/>
-            <a:ext cx="9144000" cy="360040"/>
-          </a:xfrm>
-          <a:prstGeom prst="rect">
-            <a:avLst/>
-          </a:prstGeom>
-          <a:gradFill flip="none" rotWithShape="1">
-            <a:gsLst>
-              <a:gs pos="0">
-                <a:srgbClr val="00B0F0">
-                  <a:shade val="30000"/>
-                  <a:satMod val="115000"/>
-                </a:srgbClr>
-              </a:gs>
-              <a:gs pos="50000">
-                <a:srgbClr val="00B0F0">
-                  <a:shade val="67500"/>
-                  <a:satMod val="115000"/>
-                </a:srgbClr>
-              </a:gs>
-              <a:gs pos="100000">
-                <a:srgbClr val="00B0F0">
-                  <a:shade val="100000"/>
-                  <a:satMod val="115000"/>
-                </a:srgbClr>
-              </a:gs>
-            </a:gsLst>
-            <a:path path="circle">
-              <a:fillToRect t="100000" r="100000"/>
-            </a:path>
-            <a:tileRect l="-100000" b="-100000"/>
-          </a:gradFill>
-        </p:spPr>
-        <p:txBody>
-          <a:bodyPr vert="horz" lIns="91440" tIns="45720" rIns="91440" bIns="45720" rtlCol="0" anchor="ctr">
-            <a:normAutofit/>
-          </a:bodyPr>
-          <a:lstStyle/>
-          <a:p>
-            <a:pPr lvl="0">
-              <a:spcBef>
-                <a:spcPct val="0"/>
-              </a:spcBef>
-            </a:pPr>
-            <a:r>
-              <a:rPr lang="en-US" sz="1600" dirty="0">
-                <a:hlinkClick r:id="rId2"/>
-              </a:rPr>
-              <a:t>https://www.youtube.com/watch?v=v-sVpk8nxbA&amp;list=PL6tu16kXT9PqdhOZk4MNVtQDJp6xFrotg&amp;index=4</a:t>
-            </a:r>
-            <a:endParaRPr kumimoji="0" lang="zh-TW" altLang="en-US" sz="1600" b="0" i="0" u="none" strike="noStrike" kern="1200" cap="none" spc="0" normalizeH="0" baseline="0" noProof="0" dirty="0">
-              <a:ln>
-                <a:noFill/>
-              </a:ln>
-              <a:solidFill>
-                <a:schemeClr val="tx1"/>
-              </a:solidFill>
-              <a:effectLst/>
-              <a:uLnTx/>
-              <a:uFillTx/>
-              <a:latin typeface="+mj-lt"/>
-              <a:ea typeface="+mj-ea"/>
-              <a:cs typeface="+mj-cs"/>
-            </a:endParaRPr>
-          </a:p>
-        </p:txBody>
-      </p:sp>
-      <p:sp>
-        <p:nvSpPr>
-          <p:cNvPr id="5" name="日期版面配置區 4"/>
-          <p:cNvSpPr>
-            <a:spLocks noGrp="1"/>
-          </p:cNvSpPr>
-          <p:nvPr>
-            <p:ph type="dt" sz="half" idx="10"/>
-          </p:nvPr>
-        </p:nvSpPr>
-        <p:spPr/>
-        <p:txBody>
-          <a:bodyPr/>
-          <a:lstStyle/>
-          <a:p>
-            <a:fld id="{A4F910E6-8D00-4BAF-8C48-9688E0B449D3}" type="datetime1">
-              <a:rPr lang="zh-TW" altLang="en-US" smtClean="0"/>
-              <a:pPr/>
-              <a:t>2020/4/22</a:t>
-            </a:fld>
-            <a:endParaRPr lang="zh-TW" altLang="en-US"/>
-          </a:p>
-        </p:txBody>
-      </p:sp>
-      <p:sp>
-        <p:nvSpPr>
-          <p:cNvPr id="6" name="投影片編號版面配置區 5"/>
-          <p:cNvSpPr>
-            <a:spLocks noGrp="1"/>
-          </p:cNvSpPr>
-          <p:nvPr>
-            <p:ph type="sldNum" sz="quarter" idx="12"/>
-          </p:nvPr>
-        </p:nvSpPr>
-        <p:spPr/>
-        <p:txBody>
-          <a:bodyPr/>
-          <a:lstStyle/>
-          <a:p>
-            <a:fld id="{E4D7E63D-91F2-4366-A2C4-1B00C9E2590E}" type="slidenum">
-              <a:rPr lang="zh-TW" altLang="en-US" smtClean="0"/>
-              <a:pPr/>
-              <a:t>9</a:t>
-            </a:fld>
-            <a:endParaRPr lang="zh-TW" altLang="en-US"/>
-          </a:p>
-        </p:txBody>
-      </p:sp>
-      <p:pic>
-        <p:nvPicPr>
-          <p:cNvPr id="14" name="Picture 13">
-            <a:extLst>
-              <a:ext uri="{FF2B5EF4-FFF2-40B4-BE49-F238E27FC236}">
-                <a16:creationId xmlns:a16="http://schemas.microsoft.com/office/drawing/2014/main" id="{8429E220-710A-4C63-966B-35AB4BC24D9F}"/>
-              </a:ext>
-            </a:extLst>
-          </p:cNvPr>
-          <p:cNvPicPr>
-            <a:picLocks noChangeAspect="1"/>
-          </p:cNvPicPr>
-          <p:nvPr/>
-        </p:nvPicPr>
-        <p:blipFill>
-          <a:blip r:embed="rId3"/>
-          <a:stretch>
-            <a:fillRect/>
-          </a:stretch>
-        </p:blipFill>
-        <p:spPr>
-          <a:xfrm>
-            <a:off x="3450896" y="1268762"/>
-            <a:ext cx="5235904" cy="3831819"/>
-          </a:xfrm>
-          <a:prstGeom prst="rect">
-            <a:avLst/>
-          </a:prstGeom>
-          <a:ln>
-            <a:solidFill>
-              <a:srgbClr val="C00000"/>
-            </a:solidFill>
-          </a:ln>
-        </p:spPr>
-      </p:pic>
-    </p:spTree>
-    <p:extLst>
-      <p:ext uri="{BB962C8B-B14F-4D97-AF65-F5344CB8AC3E}">
-        <p14:creationId xmlns:p14="http://schemas.microsoft.com/office/powerpoint/2010/main" val="4284327488"/>
       </p:ext>
     </p:extLst>
   </p:cSld>
